--- a/304-UI.pptx
+++ b/304-UI.pptx
@@ -108,6 +108,11 @@
       </a:defRPr>
     </a:lvl9pPr>
   </p:defaultTextStyle>
+  <p:extLst>
+    <p:ext uri="{EFAFB233-063F-42B5-8137-9DF3F51BA10A}">
+      <p15:sldGuideLst xmlns:p15="http://schemas.microsoft.com/office/powerpoint/2012/main"/>
+    </p:ext>
+  </p:extLst>
 </p:presentation>
 </file>
 
@@ -3363,14 +3368,14 @@
           <p:nvPr>
             <p:extLst>
               <p:ext uri="{D42A27DB-BD31-4B8C-83A1-F6EECF244321}">
-                <p14:modId xmlns:p14="http://schemas.microsoft.com/office/powerpoint/2010/main" val="3664124438"/>
+                <p14:modId xmlns:p14="http://schemas.microsoft.com/office/powerpoint/2010/main" val="1289153692"/>
               </p:ext>
             </p:extLst>
           </p:nvPr>
         </p:nvGraphicFramePr>
         <p:xfrm>
           <a:off x="216647" y="1311338"/>
-          <a:ext cx="5444565" cy="3979986"/>
+          <a:ext cx="5444565" cy="3986433"/>
         </p:xfrm>
         <a:graphic>
           <a:graphicData uri="http://schemas.openxmlformats.org/drawingml/2006/table">
@@ -3416,7 +3421,7 @@
                     <a:p>
                       <a:pPr algn="ctr">
                         <a:lnSpc>
-                          <a:spcPct val="100000"/>
+                          <a:spcPct val="150000"/>
                         </a:lnSpc>
                       </a:pPr>
                       <a:r>
@@ -3424,7 +3429,7 @@
                           <a:latin typeface="Leelawadee UI" panose="020B0502040204020203" pitchFamily="34" charset="-34"/>
                           <a:cs typeface="Leelawadee UI" panose="020B0502040204020203" pitchFamily="34" charset="-34"/>
                         </a:rPr>
-                        <a:t>Released director</a:t>
+                        <a:t>Released</a:t>
                       </a:r>
                       <a:endParaRPr lang="en-CA" sz="2000" dirty="0">
                         <a:latin typeface="Leelawadee UI" panose="020B0502040204020203" pitchFamily="34" charset="-34"/>
@@ -3900,8 +3905,8 @@
         </p:nvCxnSpPr>
         <p:spPr>
           <a:xfrm rot="5400000">
-            <a:off x="6488293" y="484258"/>
-            <a:ext cx="1989993" cy="3644153"/>
+            <a:off x="6486681" y="485870"/>
+            <a:ext cx="1993216" cy="3644153"/>
           </a:xfrm>
           <a:prstGeom prst="curvedConnector2">
             <a:avLst/>
@@ -4152,7 +4157,7 @@
           <p:nvPr>
             <p:extLst>
               <p:ext uri="{D42A27DB-BD31-4B8C-83A1-F6EECF244321}">
-                <p14:modId xmlns:p14="http://schemas.microsoft.com/office/powerpoint/2010/main" val="1900668823"/>
+                <p14:modId xmlns:p14="http://schemas.microsoft.com/office/powerpoint/2010/main" val="2104678374"/>
               </p:ext>
             </p:extLst>
           </p:nvPr>
@@ -4238,7 +4243,7 @@
                     <a:p>
                       <a:r>
                         <a:rPr lang="en-US" dirty="0" smtClean="0"/>
-                        <a:t>Released director</a:t>
+                        <a:t>Released</a:t>
                       </a:r>
                       <a:endParaRPr lang="en-CA" dirty="0"/>
                     </a:p>
@@ -4891,7 +4896,13 @@
           <p:cNvGraphicFramePr>
             <a:graphicFrameLocks noGrp="1"/>
           </p:cNvGraphicFramePr>
-          <p:nvPr/>
+          <p:nvPr>
+            <p:extLst>
+              <p:ext uri="{D42A27DB-BD31-4B8C-83A1-F6EECF244321}">
+                <p14:modId xmlns:p14="http://schemas.microsoft.com/office/powerpoint/2010/main" val="2632038557"/>
+              </p:ext>
+            </p:extLst>
+          </p:nvPr>
         </p:nvGraphicFramePr>
         <p:xfrm>
           <a:off x="364564" y="1163419"/>
@@ -4974,7 +4985,7 @@
                     <a:p>
                       <a:r>
                         <a:rPr lang="en-US" dirty="0" smtClean="0"/>
-                        <a:t>Released director</a:t>
+                        <a:t>Released</a:t>
                       </a:r>
                       <a:endParaRPr lang="en-CA" dirty="0"/>
                     </a:p>

--- a/304-UI.pptx
+++ b/304-UI.pptx
@@ -141,18 +141,18 @@
     </p:extLst>
   </p:cm>
   <p:cm authorId="1" dt="2017-03-08T20:32:21.948" idx="8">
-    <p:pos x="6524" y="552"/>
+    <p:pos x="7159" y="933"/>
     <p:text>Division</p:text>
-    <p:extLst>
+    <p:extLst mod="1">
       <p:ext uri="{C676402C-5697-4E1C-873F-D02D1690AC5C}">
         <p15:threadingInfo xmlns:p15="http://schemas.microsoft.com/office/powerpoint/2012/main" timeZoneBias="480"/>
       </p:ext>
     </p:extLst>
   </p:cm>
   <p:cm authorId="1" dt="2017-03-08T20:39:27.897" idx="9">
-    <p:pos x="6819" y="2625"/>
+    <p:pos x="7005" y="3023"/>
     <p:text>Nested Aggregation</p:text>
-    <p:extLst>
+    <p:extLst mod="1">
       <p:ext uri="{C676402C-5697-4E1C-873F-D02D1690AC5C}">
         <p15:threadingInfo xmlns:p15="http://schemas.microsoft.com/office/powerpoint/2012/main" timeZoneBias="480"/>
       </p:ext>
@@ -163,16 +163,6 @@
 
 <file path=ppt/comments/comment2.xml><?xml version="1.0" encoding="utf-8"?>
 <p:cmLst xmlns:a="http://schemas.openxmlformats.org/drawingml/2006/main" xmlns:r="http://schemas.openxmlformats.org/officeDocument/2006/relationships" xmlns:p="http://schemas.openxmlformats.org/presentationml/2006/main">
-  <p:cm authorId="1" dt="2017-03-08T20:10:35.803" idx="6">
-    <p:pos x="1205" y="2339"/>
-    <p:text>Join
-attributes from other tables</p:text>
-    <p:extLst>
-      <p:ext uri="{C676402C-5697-4E1C-873F-D02D1690AC5C}">
-        <p15:threadingInfo xmlns:p15="http://schemas.microsoft.com/office/powerpoint/2012/main" timeZoneBias="480"/>
-      </p:ext>
-    </p:extLst>
-  </p:cm>
   <p:cm authorId="1" dt="2017-03-08T20:52:03.547" idx="10">
     <p:pos x="6556" y="2888"/>
     <p:text>Update
@@ -199,16 +189,6 @@
 
 <file path=ppt/comments/comment3.xml><?xml version="1.0" encoding="utf-8"?>
 <p:cmLst xmlns:a="http://schemas.openxmlformats.org/drawingml/2006/main" xmlns:r="http://schemas.openxmlformats.org/officeDocument/2006/relationships" xmlns:p="http://schemas.openxmlformats.org/presentationml/2006/main">
-  <p:cm authorId="1" dt="2017-03-08T20:10:35.803" idx="6">
-    <p:pos x="1205" y="2339"/>
-    <p:text>Join
-attributes from other tables</p:text>
-    <p:extLst>
-      <p:ext uri="{C676402C-5697-4E1C-873F-D02D1690AC5C}">
-        <p15:threadingInfo xmlns:p15="http://schemas.microsoft.com/office/powerpoint/2012/main" timeZoneBias="480"/>
-      </p:ext>
-    </p:extLst>
-  </p:cm>
   <p:cm authorId="1" dt="2017-03-08T20:55:20.739" idx="12">
     <p:pos x="6668" y="2466"/>
     <p:text>Delete
@@ -368,7 +348,7 @@
           <a:p>
             <a:fld id="{1ABFE125-13F8-42B1-BDCB-0EBC5DDCE97A}" type="datetimeFigureOut">
               <a:rPr lang="en-CA" smtClean="0"/>
-              <a:t>2017-03-08</a:t>
+              <a:t>2017-03-17</a:t>
             </a:fld>
             <a:endParaRPr lang="en-CA"/>
           </a:p>
@@ -538,7 +518,7 @@
           <a:p>
             <a:fld id="{1ABFE125-13F8-42B1-BDCB-0EBC5DDCE97A}" type="datetimeFigureOut">
               <a:rPr lang="en-CA" smtClean="0"/>
-              <a:t>2017-03-08</a:t>
+              <a:t>2017-03-17</a:t>
             </a:fld>
             <a:endParaRPr lang="en-CA"/>
           </a:p>
@@ -718,7 +698,7 @@
           <a:p>
             <a:fld id="{1ABFE125-13F8-42B1-BDCB-0EBC5DDCE97A}" type="datetimeFigureOut">
               <a:rPr lang="en-CA" smtClean="0"/>
-              <a:t>2017-03-08</a:t>
+              <a:t>2017-03-17</a:t>
             </a:fld>
             <a:endParaRPr lang="en-CA"/>
           </a:p>
@@ -888,7 +868,7 @@
           <a:p>
             <a:fld id="{1ABFE125-13F8-42B1-BDCB-0EBC5DDCE97A}" type="datetimeFigureOut">
               <a:rPr lang="en-CA" smtClean="0"/>
-              <a:t>2017-03-08</a:t>
+              <a:t>2017-03-17</a:t>
             </a:fld>
             <a:endParaRPr lang="en-CA"/>
           </a:p>
@@ -1134,7 +1114,7 @@
           <a:p>
             <a:fld id="{1ABFE125-13F8-42B1-BDCB-0EBC5DDCE97A}" type="datetimeFigureOut">
               <a:rPr lang="en-CA" smtClean="0"/>
-              <a:t>2017-03-08</a:t>
+              <a:t>2017-03-17</a:t>
             </a:fld>
             <a:endParaRPr lang="en-CA"/>
           </a:p>
@@ -1366,7 +1346,7 @@
           <a:p>
             <a:fld id="{1ABFE125-13F8-42B1-BDCB-0EBC5DDCE97A}" type="datetimeFigureOut">
               <a:rPr lang="en-CA" smtClean="0"/>
-              <a:t>2017-03-08</a:t>
+              <a:t>2017-03-17</a:t>
             </a:fld>
             <a:endParaRPr lang="en-CA"/>
           </a:p>
@@ -1733,7 +1713,7 @@
           <a:p>
             <a:fld id="{1ABFE125-13F8-42B1-BDCB-0EBC5DDCE97A}" type="datetimeFigureOut">
               <a:rPr lang="en-CA" smtClean="0"/>
-              <a:t>2017-03-08</a:t>
+              <a:t>2017-03-17</a:t>
             </a:fld>
             <a:endParaRPr lang="en-CA"/>
           </a:p>
@@ -1851,7 +1831,7 @@
           <a:p>
             <a:fld id="{1ABFE125-13F8-42B1-BDCB-0EBC5DDCE97A}" type="datetimeFigureOut">
               <a:rPr lang="en-CA" smtClean="0"/>
-              <a:t>2017-03-08</a:t>
+              <a:t>2017-03-17</a:t>
             </a:fld>
             <a:endParaRPr lang="en-CA"/>
           </a:p>
@@ -1946,7 +1926,7 @@
           <a:p>
             <a:fld id="{1ABFE125-13F8-42B1-BDCB-0EBC5DDCE97A}" type="datetimeFigureOut">
               <a:rPr lang="en-CA" smtClean="0"/>
-              <a:t>2017-03-08</a:t>
+              <a:t>2017-03-17</a:t>
             </a:fld>
             <a:endParaRPr lang="en-CA"/>
           </a:p>
@@ -2223,7 +2203,7 @@
           <a:p>
             <a:fld id="{1ABFE125-13F8-42B1-BDCB-0EBC5DDCE97A}" type="datetimeFigureOut">
               <a:rPr lang="en-CA" smtClean="0"/>
-              <a:t>2017-03-08</a:t>
+              <a:t>2017-03-17</a:t>
             </a:fld>
             <a:endParaRPr lang="en-CA"/>
           </a:p>
@@ -2476,7 +2456,7 @@
           <a:p>
             <a:fld id="{1ABFE125-13F8-42B1-BDCB-0EBC5DDCE97A}" type="datetimeFigureOut">
               <a:rPr lang="en-CA" smtClean="0"/>
-              <a:t>2017-03-08</a:t>
+              <a:t>2017-03-17</a:t>
             </a:fld>
             <a:endParaRPr lang="en-CA"/>
           </a:p>
@@ -2689,7 +2669,7 @@
           <a:p>
             <a:fld id="{1ABFE125-13F8-42B1-BDCB-0EBC5DDCE97A}" type="datetimeFigureOut">
               <a:rPr lang="en-CA" smtClean="0"/>
-              <a:t>2017-03-08</a:t>
+              <a:t>2017-03-17</a:t>
             </a:fld>
             <a:endParaRPr lang="en-CA"/>
           </a:p>
@@ -3860,7 +3840,7 @@
         </p:nvSpPr>
         <p:spPr>
           <a:xfrm>
-            <a:off x="7893424" y="349701"/>
+            <a:off x="8928847" y="1555810"/>
             <a:ext cx="2823882" cy="961637"/>
           </a:xfrm>
           <a:prstGeom prst="roundRect">
@@ -3905,8 +3885,8 @@
         </p:nvCxnSpPr>
         <p:spPr>
           <a:xfrm rot="5400000">
-            <a:off x="6486681" y="485870"/>
-            <a:ext cx="1993216" cy="3644153"/>
+            <a:off x="7607447" y="571212"/>
+            <a:ext cx="787107" cy="4679576"/>
           </a:xfrm>
           <a:prstGeom prst="curvedConnector2">
             <a:avLst/>
@@ -3937,8 +3917,8 @@
           <p:nvPr/>
         </p:nvSpPr>
         <p:spPr>
-          <a:xfrm rot="19976631">
-            <a:off x="7187453" y="2299446"/>
+          <a:xfrm rot="21428169">
+            <a:off x="6953096" y="2726333"/>
             <a:ext cx="1627094" cy="369332"/>
           </a:xfrm>
           <a:prstGeom prst="rect">
@@ -3968,7 +3948,7 @@
         </p:nvSpPr>
         <p:spPr>
           <a:xfrm>
-            <a:off x="8969188" y="3509683"/>
+            <a:off x="9305366" y="4806921"/>
             <a:ext cx="2474259" cy="981635"/>
           </a:xfrm>
           <a:prstGeom prst="roundRect">
@@ -4011,9 +3991,9 @@
           <p:nvPr/>
         </p:nvCxnSpPr>
         <p:spPr>
-          <a:xfrm rot="10800000" flipV="1">
-            <a:off x="5681382" y="4000501"/>
-            <a:ext cx="3287806" cy="490818"/>
+          <a:xfrm rot="10800000">
+            <a:off x="5661212" y="5183753"/>
+            <a:ext cx="3644154" cy="113986"/>
           </a:xfrm>
           <a:prstGeom prst="curvedConnector3">
             <a:avLst>
@@ -4051,8 +4031,140 @@
           <p:nvPr/>
         </p:nvSpPr>
         <p:spPr>
-          <a:xfrm rot="20820330">
-            <a:off x="6669742" y="4259385"/>
+          <a:xfrm rot="274113">
+            <a:off x="6957011" y="4860723"/>
+            <a:ext cx="1627094" cy="369332"/>
+          </a:xfrm>
+          <a:prstGeom prst="rect">
+            <a:avLst/>
+          </a:prstGeom>
+          <a:noFill/>
+        </p:spPr>
+        <p:txBody>
+          <a:bodyPr wrap="square" rtlCol="0">
+            <a:spAutoFit/>
+          </a:bodyPr>
+          <a:lstStyle/>
+          <a:p>
+            <a:r>
+              <a:rPr lang="en-US" dirty="0" smtClean="0"/>
+              <a:t>Update the list</a:t>
+            </a:r>
+            <a:endParaRPr lang="en-CA" dirty="0"/>
+          </a:p>
+        </p:txBody>
+      </p:sp>
+      <p:sp>
+        <p:nvSpPr>
+          <p:cNvPr id="3" name="Rounded Rectangle 2"/>
+          <p:cNvSpPr/>
+          <p:nvPr/>
+        </p:nvSpPr>
+        <p:spPr>
+          <a:xfrm>
+            <a:off x="5419684" y="35472"/>
+            <a:ext cx="2063605" cy="793376"/>
+          </a:xfrm>
+          <a:prstGeom prst="roundRect">
+            <a:avLst/>
+          </a:prstGeom>
+        </p:spPr>
+        <p:style>
+          <a:lnRef idx="1">
+            <a:schemeClr val="accent1"/>
+          </a:lnRef>
+          <a:fillRef idx="2">
+            <a:schemeClr val="accent1"/>
+          </a:fillRef>
+          <a:effectRef idx="1">
+            <a:schemeClr val="accent1"/>
+          </a:effectRef>
+          <a:fontRef idx="minor">
+            <a:schemeClr val="dk1"/>
+          </a:fontRef>
+        </p:style>
+        <p:txBody>
+          <a:bodyPr rtlCol="0" anchor="ctr"/>
+          <a:lstStyle/>
+          <a:p>
+            <a:pPr algn="ctr"/>
+            <a:r>
+              <a:rPr lang="en-US" dirty="0" smtClean="0">
+                <a:ln w="0"/>
+                <a:solidFill>
+                  <a:schemeClr val="tx1"/>
+                </a:solidFill>
+                <a:effectLst>
+                  <a:outerShdw blurRad="38100" dist="19050" dir="2700000" algn="tl" rotWithShape="0">
+                    <a:schemeClr val="dk1">
+                      <a:alpha val="40000"/>
+                    </a:schemeClr>
+                  </a:outerShdw>
+                </a:effectLst>
+              </a:rPr>
+              <a:t>Show Actor List</a:t>
+            </a:r>
+            <a:endParaRPr lang="en-CA" dirty="0">
+              <a:ln w="0"/>
+              <a:solidFill>
+                <a:schemeClr val="tx1"/>
+              </a:solidFill>
+              <a:effectLst>
+                <a:outerShdw blurRad="38100" dist="19050" dir="2700000" algn="tl" rotWithShape="0">
+                  <a:schemeClr val="dk1">
+                    <a:alpha val="40000"/>
+                  </a:schemeClr>
+                </a:outerShdw>
+              </a:effectLst>
+            </a:endParaRPr>
+          </a:p>
+        </p:txBody>
+      </p:sp>
+      <p:cxnSp>
+        <p:nvCxnSpPr>
+          <p:cNvPr id="8" name="Curved Connector 7"/>
+          <p:cNvCxnSpPr>
+            <a:stCxn id="3" idx="2"/>
+            <a:endCxn id="10" idx="0"/>
+          </p:cNvCxnSpPr>
+          <p:nvPr/>
+        </p:nvCxnSpPr>
+        <p:spPr>
+          <a:xfrm rot="5400000">
+            <a:off x="4453963" y="-686186"/>
+            <a:ext cx="482490" cy="3512558"/>
+          </a:xfrm>
+          <a:prstGeom prst="curvedConnector3">
+            <a:avLst/>
+          </a:prstGeom>
+          <a:ln w="57150">
+            <a:tailEnd type="triangle"/>
+          </a:ln>
+        </p:spPr>
+        <p:style>
+          <a:lnRef idx="1">
+            <a:schemeClr val="accent1"/>
+          </a:lnRef>
+          <a:fillRef idx="0">
+            <a:schemeClr val="accent1"/>
+          </a:fillRef>
+          <a:effectRef idx="0">
+            <a:schemeClr val="accent1"/>
+          </a:effectRef>
+          <a:fontRef idx="minor">
+            <a:schemeClr val="tx1"/>
+          </a:fontRef>
+        </p:style>
+      </p:cxnSp>
+      <p:sp>
+        <p:nvSpPr>
+          <p:cNvPr id="16" name="TextBox 15"/>
+          <p:cNvSpPr txBox="1"/>
+          <p:nvPr/>
+        </p:nvSpPr>
+        <p:spPr>
+          <a:xfrm rot="21428169">
+            <a:off x="3192402" y="729985"/>
             <a:ext cx="1627094" cy="369332"/>
           </a:xfrm>
           <a:prstGeom prst="rect">
@@ -4157,7 +4269,7 @@
           <p:nvPr>
             <p:extLst>
               <p:ext uri="{D42A27DB-BD31-4B8C-83A1-F6EECF244321}">
-                <p14:modId xmlns:p14="http://schemas.microsoft.com/office/powerpoint/2010/main" val="2104678374"/>
+                <p14:modId xmlns:p14="http://schemas.microsoft.com/office/powerpoint/2010/main" val="3035208219"/>
               </p:ext>
             </p:extLst>
           </p:nvPr>
@@ -4323,18 +4435,6 @@
                     <a:bodyPr/>
                     <a:lstStyle/>
                     <a:p>
-                      <a:r>
-                        <a:rPr lang="en-US" dirty="0" smtClean="0">
-                          <a:hlinkClick r:id="rId2" action="ppaction://hlinksldjump"/>
-                        </a:rPr>
-                        <a:t>Leading</a:t>
-                      </a:r>
-                      <a:r>
-                        <a:rPr lang="en-US" baseline="0" dirty="0" smtClean="0">
-                          <a:hlinkClick r:id="rId2" action="ppaction://hlinksldjump"/>
-                        </a:rPr>
-                        <a:t> actor</a:t>
-                      </a:r>
                       <a:endParaRPr lang="en-CA" dirty="0"/>
                     </a:p>
                   </a:txBody>
@@ -4391,7 +4491,7 @@
             <a:pPr algn="ctr"/>
             <a:r>
               <a:rPr lang="en-US" dirty="0" smtClean="0">
-                <a:hlinkClick r:id="rId3" action="ppaction://hlinksldjump"/>
+                <a:hlinkClick r:id="rId2" action="ppaction://hlinksldjump"/>
               </a:rPr>
               <a:t>Back to Movie List</a:t>
             </a:r>
@@ -4899,7 +4999,7 @@
           <p:nvPr>
             <p:extLst>
               <p:ext uri="{D42A27DB-BD31-4B8C-83A1-F6EECF244321}">
-                <p14:modId xmlns:p14="http://schemas.microsoft.com/office/powerpoint/2010/main" val="2632038557"/>
+                <p14:modId xmlns:p14="http://schemas.microsoft.com/office/powerpoint/2010/main" val="552215662"/>
               </p:ext>
             </p:extLst>
           </p:nvPr>
@@ -5065,18 +5165,6 @@
                     <a:bodyPr/>
                     <a:lstStyle/>
                     <a:p>
-                      <a:r>
-                        <a:rPr lang="en-US" dirty="0" smtClean="0">
-                          <a:hlinkClick r:id="rId2" action="ppaction://hlinksldjump"/>
-                        </a:rPr>
-                        <a:t>Leading</a:t>
-                      </a:r>
-                      <a:r>
-                        <a:rPr lang="en-US" baseline="0" dirty="0" smtClean="0">
-                          <a:hlinkClick r:id="rId2" action="ppaction://hlinksldjump"/>
-                        </a:rPr>
-                        <a:t> actor</a:t>
-                      </a:r>
                       <a:endParaRPr lang="en-CA" dirty="0"/>
                     </a:p>
                   </a:txBody>
@@ -5133,7 +5221,7 @@
             <a:pPr algn="ctr"/>
             <a:r>
               <a:rPr lang="en-US" dirty="0" smtClean="0">
-                <a:hlinkClick r:id="rId3" action="ppaction://hlinksldjump"/>
+                <a:hlinkClick r:id="rId2" action="ppaction://hlinksldjump"/>
               </a:rPr>
               <a:t>Back to Movie List</a:t>
             </a:r>

--- a/304-UI.pptx
+++ b/304-UI.pptx
@@ -150,7 +150,7 @@
     </p:extLst>
   </p:cm>
   <p:cm authorId="1" dt="2017-03-08T20:39:27.897" idx="9">
-    <p:pos x="7005" y="3023"/>
+    <p:pos x="7067" y="3439"/>
     <p:text>Nested Aggregation</p:text>
     <p:extLst mod="1">
       <p:ext uri="{C676402C-5697-4E1C-873F-D02D1690AC5C}">
@@ -348,7 +348,7 @@
           <a:p>
             <a:fld id="{1ABFE125-13F8-42B1-BDCB-0EBC5DDCE97A}" type="datetimeFigureOut">
               <a:rPr lang="en-CA" smtClean="0"/>
-              <a:t>2017-03-17</a:t>
+              <a:t>2017-03-21</a:t>
             </a:fld>
             <a:endParaRPr lang="en-CA"/>
           </a:p>
@@ -518,7 +518,7 @@
           <a:p>
             <a:fld id="{1ABFE125-13F8-42B1-BDCB-0EBC5DDCE97A}" type="datetimeFigureOut">
               <a:rPr lang="en-CA" smtClean="0"/>
-              <a:t>2017-03-17</a:t>
+              <a:t>2017-03-21</a:t>
             </a:fld>
             <a:endParaRPr lang="en-CA"/>
           </a:p>
@@ -698,7 +698,7 @@
           <a:p>
             <a:fld id="{1ABFE125-13F8-42B1-BDCB-0EBC5DDCE97A}" type="datetimeFigureOut">
               <a:rPr lang="en-CA" smtClean="0"/>
-              <a:t>2017-03-17</a:t>
+              <a:t>2017-03-21</a:t>
             </a:fld>
             <a:endParaRPr lang="en-CA"/>
           </a:p>
@@ -868,7 +868,7 @@
           <a:p>
             <a:fld id="{1ABFE125-13F8-42B1-BDCB-0EBC5DDCE97A}" type="datetimeFigureOut">
               <a:rPr lang="en-CA" smtClean="0"/>
-              <a:t>2017-03-17</a:t>
+              <a:t>2017-03-21</a:t>
             </a:fld>
             <a:endParaRPr lang="en-CA"/>
           </a:p>
@@ -1114,7 +1114,7 @@
           <a:p>
             <a:fld id="{1ABFE125-13F8-42B1-BDCB-0EBC5DDCE97A}" type="datetimeFigureOut">
               <a:rPr lang="en-CA" smtClean="0"/>
-              <a:t>2017-03-17</a:t>
+              <a:t>2017-03-21</a:t>
             </a:fld>
             <a:endParaRPr lang="en-CA"/>
           </a:p>
@@ -1346,7 +1346,7 @@
           <a:p>
             <a:fld id="{1ABFE125-13F8-42B1-BDCB-0EBC5DDCE97A}" type="datetimeFigureOut">
               <a:rPr lang="en-CA" smtClean="0"/>
-              <a:t>2017-03-17</a:t>
+              <a:t>2017-03-21</a:t>
             </a:fld>
             <a:endParaRPr lang="en-CA"/>
           </a:p>
@@ -1713,7 +1713,7 @@
           <a:p>
             <a:fld id="{1ABFE125-13F8-42B1-BDCB-0EBC5DDCE97A}" type="datetimeFigureOut">
               <a:rPr lang="en-CA" smtClean="0"/>
-              <a:t>2017-03-17</a:t>
+              <a:t>2017-03-21</a:t>
             </a:fld>
             <a:endParaRPr lang="en-CA"/>
           </a:p>
@@ -1831,7 +1831,7 @@
           <a:p>
             <a:fld id="{1ABFE125-13F8-42B1-BDCB-0EBC5DDCE97A}" type="datetimeFigureOut">
               <a:rPr lang="en-CA" smtClean="0"/>
-              <a:t>2017-03-17</a:t>
+              <a:t>2017-03-21</a:t>
             </a:fld>
             <a:endParaRPr lang="en-CA"/>
           </a:p>
@@ -1926,7 +1926,7 @@
           <a:p>
             <a:fld id="{1ABFE125-13F8-42B1-BDCB-0EBC5DDCE97A}" type="datetimeFigureOut">
               <a:rPr lang="en-CA" smtClean="0"/>
-              <a:t>2017-03-17</a:t>
+              <a:t>2017-03-21</a:t>
             </a:fld>
             <a:endParaRPr lang="en-CA"/>
           </a:p>
@@ -2203,7 +2203,7 @@
           <a:p>
             <a:fld id="{1ABFE125-13F8-42B1-BDCB-0EBC5DDCE97A}" type="datetimeFigureOut">
               <a:rPr lang="en-CA" smtClean="0"/>
-              <a:t>2017-03-17</a:t>
+              <a:t>2017-03-21</a:t>
             </a:fld>
             <a:endParaRPr lang="en-CA"/>
           </a:p>
@@ -2456,7 +2456,7 @@
           <a:p>
             <a:fld id="{1ABFE125-13F8-42B1-BDCB-0EBC5DDCE97A}" type="datetimeFigureOut">
               <a:rPr lang="en-CA" smtClean="0"/>
-              <a:t>2017-03-17</a:t>
+              <a:t>2017-03-21</a:t>
             </a:fld>
             <a:endParaRPr lang="en-CA"/>
           </a:p>
@@ -2669,7 +2669,7 @@
           <a:p>
             <a:fld id="{1ABFE125-13F8-42B1-BDCB-0EBC5DDCE97A}" type="datetimeFigureOut">
               <a:rPr lang="en-CA" smtClean="0"/>
-              <a:t>2017-03-17</a:t>
+              <a:t>2017-03-21</a:t>
             </a:fld>
             <a:endParaRPr lang="en-CA"/>
           </a:p>
@@ -3976,7 +3976,7 @@
             <a:pPr algn="ctr"/>
             <a:r>
               <a:rPr lang="en-US" dirty="0" smtClean="0"/>
-              <a:t>Get the movie with the highest average rating</a:t>
+              <a:t>Get the actor who has acted in the most movie</a:t>
             </a:r>
             <a:endParaRPr lang="en-CA" dirty="0"/>
           </a:p>
